--- a/onderwijsmateriaal/presentaties/STDs-1.pptx
+++ b/onderwijsmateriaal/presentaties/STDs-1.pptx
@@ -5,7 +5,7 @@
     <p:sldMasterId id="2147483660" r:id="rId1"/>
   </p:sldMasterIdLst>
   <p:notesMasterIdLst>
-    <p:notesMasterId r:id="rId38"/>
+    <p:notesMasterId r:id="rId39"/>
   </p:notesMasterIdLst>
   <p:sldIdLst>
     <p:sldId id="256" r:id="rId2"/>
@@ -42,8 +42,9 @@
     <p:sldId id="287" r:id="rId33"/>
     <p:sldId id="288" r:id="rId34"/>
     <p:sldId id="319" r:id="rId35"/>
-    <p:sldId id="338" r:id="rId36"/>
-    <p:sldId id="337" r:id="rId37"/>
+    <p:sldId id="339" r:id="rId36"/>
+    <p:sldId id="338" r:id="rId37"/>
+    <p:sldId id="337" r:id="rId38"/>
   </p:sldIdLst>
   <p:sldSz cx="12192000" cy="6858000"/>
   <p:notesSz cx="6858000" cy="9144000"/>
@@ -184,6 +185,7 @@
 <p1510:revInfo xmlns:a="http://schemas.openxmlformats.org/drawingml/2006/main" xmlns:r="http://schemas.openxmlformats.org/officeDocument/2006/relationships" xmlns:p1510="http://schemas.microsoft.com/office/powerpoint/2015/10/main">
   <p1510:revLst>
     <p1510:client id="{2625C9E5-9FCB-4172-B93F-1A816ACD9583}" v="1" dt="2024-10-09T08:05:59.150"/>
+    <p1510:client id="{42C80593-0A04-41EC-BFF6-5910DE978C8A}" v="41" dt="2024-10-09T08:26:17.824"/>
   </p1510:revLst>
 </p1510:revInfo>
 </file>
@@ -271,6 +273,85 @@
             <pc:docMk/>
             <pc:sldMk cId="1545968498" sldId="288"/>
             <ac:picMk id="5" creationId="{4A61D896-BDBD-4BE1-8DBF-BCEF5CBE00FF}"/>
+          </ac:picMkLst>
+        </pc:picChg>
+      </pc:sldChg>
+    </pc:docChg>
+  </pc:docChgLst>
+  <pc:docChgLst>
+    <pc:chgData name="Marius Versteegen" userId="3db87500-6bb8-48d8-b495-b010ee39f961" providerId="ADAL" clId="{42C80593-0A04-41EC-BFF6-5910DE978C8A}"/>
+    <pc:docChg chg="custSel addSld modSld">
+      <pc:chgData name="Marius Versteegen" userId="3db87500-6bb8-48d8-b495-b010ee39f961" providerId="ADAL" clId="{42C80593-0A04-41EC-BFF6-5910DE978C8A}" dt="2024-10-09T08:26:17.824" v="63" actId="1035"/>
+      <pc:docMkLst>
+        <pc:docMk/>
+      </pc:docMkLst>
+      <pc:sldChg chg="addSp delSp modSp">
+        <pc:chgData name="Marius Versteegen" userId="3db87500-6bb8-48d8-b495-b010ee39f961" providerId="ADAL" clId="{42C80593-0A04-41EC-BFF6-5910DE978C8A}" dt="2024-10-09T08:26:17.824" v="63" actId="1035"/>
+        <pc:sldMkLst>
+          <pc:docMk/>
+          <pc:sldMk cId="600783348" sldId="319"/>
+        </pc:sldMkLst>
+        <pc:spChg chg="del">
+          <ac:chgData name="Marius Versteegen" userId="3db87500-6bb8-48d8-b495-b010ee39f961" providerId="ADAL" clId="{42C80593-0A04-41EC-BFF6-5910DE978C8A}" dt="2024-10-09T08:26:04.791" v="52"/>
+          <ac:spMkLst>
+            <pc:docMk/>
+            <pc:sldMk cId="600783348" sldId="319"/>
+            <ac:spMk id="3" creationId="{A7447888-5CF7-4D7D-8FB3-D82E796C78E2}"/>
+          </ac:spMkLst>
+        </pc:spChg>
+        <pc:picChg chg="add mod">
+          <ac:chgData name="Marius Versteegen" userId="3db87500-6bb8-48d8-b495-b010ee39f961" providerId="ADAL" clId="{42C80593-0A04-41EC-BFF6-5910DE978C8A}" dt="2024-10-09T08:26:17.824" v="63" actId="1035"/>
+          <ac:picMkLst>
+            <pc:docMk/>
+            <pc:sldMk cId="600783348" sldId="319"/>
+            <ac:picMk id="2" creationId="{54A8A3FE-8EF9-DD0D-2FBA-FFB0A3D6A675}"/>
+          </ac:picMkLst>
+        </pc:picChg>
+      </pc:sldChg>
+      <pc:sldChg chg="addSp delSp modSp add mod">
+        <pc:chgData name="Marius Versteegen" userId="3db87500-6bb8-48d8-b495-b010ee39f961" providerId="ADAL" clId="{42C80593-0A04-41EC-BFF6-5910DE978C8A}" dt="2024-10-09T08:25:38.705" v="51" actId="14100"/>
+        <pc:sldMkLst>
+          <pc:docMk/>
+          <pc:sldMk cId="1876916364" sldId="339"/>
+        </pc:sldMkLst>
+        <pc:spChg chg="del">
+          <ac:chgData name="Marius Versteegen" userId="3db87500-6bb8-48d8-b495-b010ee39f961" providerId="ADAL" clId="{42C80593-0A04-41EC-BFF6-5910DE978C8A}" dt="2024-10-09T08:23:57.987" v="5"/>
+          <ac:spMkLst>
+            <pc:docMk/>
+            <pc:sldMk cId="1876916364" sldId="339"/>
+            <ac:spMk id="3" creationId="{A7447888-5CF7-4D7D-8FB3-D82E796C78E2}"/>
+          </ac:spMkLst>
+        </pc:spChg>
+        <pc:spChg chg="mod">
+          <ac:chgData name="Marius Versteegen" userId="3db87500-6bb8-48d8-b495-b010ee39f961" providerId="ADAL" clId="{42C80593-0A04-41EC-BFF6-5910DE978C8A}" dt="2024-10-09T08:23:44.988" v="4" actId="20577"/>
+          <ac:spMkLst>
+            <pc:docMk/>
+            <pc:sldMk cId="1876916364" sldId="339"/>
+            <ac:spMk id="6" creationId="{5EC3DA2F-6D6E-4A6A-9499-45F1B9A4311E}"/>
+          </ac:spMkLst>
+        </pc:spChg>
+        <pc:picChg chg="add mod">
+          <ac:chgData name="Marius Versteegen" userId="3db87500-6bb8-48d8-b495-b010ee39f961" providerId="ADAL" clId="{42C80593-0A04-41EC-BFF6-5910DE978C8A}" dt="2024-10-09T08:25:31.866" v="50" actId="1038"/>
+          <ac:picMkLst>
+            <pc:docMk/>
+            <pc:sldMk cId="1876916364" sldId="339"/>
+            <ac:picMk id="2" creationId="{BD9D2678-65E8-4204-CDB9-675684F44405}"/>
+          </ac:picMkLst>
+        </pc:picChg>
+        <pc:picChg chg="add mod">
+          <ac:chgData name="Marius Versteegen" userId="3db87500-6bb8-48d8-b495-b010ee39f961" providerId="ADAL" clId="{42C80593-0A04-41EC-BFF6-5910DE978C8A}" dt="2024-10-09T08:25:38.705" v="51" actId="14100"/>
+          <ac:picMkLst>
+            <pc:docMk/>
+            <pc:sldMk cId="1876916364" sldId="339"/>
+            <ac:picMk id="4" creationId="{DBEBD822-6308-5932-2FC7-CA919AD146C5}"/>
+          </ac:picMkLst>
+        </pc:picChg>
+        <pc:picChg chg="del">
+          <ac:chgData name="Marius Versteegen" userId="3db87500-6bb8-48d8-b495-b010ee39f961" providerId="ADAL" clId="{42C80593-0A04-41EC-BFF6-5910DE978C8A}" dt="2024-10-09T08:23:22.674" v="1" actId="478"/>
+          <ac:picMkLst>
+            <pc:docMk/>
+            <pc:sldMk cId="1876916364" sldId="339"/>
+            <ac:picMk id="5" creationId="{5587A9DE-5C94-412B-B919-B5ED4F6C724B}"/>
           </ac:picMkLst>
         </pc:picChg>
       </pc:sldChg>
@@ -17130,31 +17211,6 @@
           <a:chExt cx="0" cy="0"/>
         </a:xfrm>
       </p:grpSpPr>
-      <p:sp>
-        <p:nvSpPr>
-          <p:cNvPr id="3" name="Tijdelijke aanduiding voor inhoud 2">
-            <a:extLst>
-              <a:ext uri="{FF2B5EF4-FFF2-40B4-BE49-F238E27FC236}">
-                <a16:creationId xmlns:a16="http://schemas.microsoft.com/office/drawing/2014/main" id="{A7447888-5CF7-4D7D-8FB3-D82E796C78E2}"/>
-              </a:ext>
-            </a:extLst>
-          </p:cNvPr>
-          <p:cNvSpPr>
-            <a:spLocks noGrp="1"/>
-          </p:cNvSpPr>
-          <p:nvPr>
-            <p:ph sz="quarter" idx="11"/>
-          </p:nvPr>
-        </p:nvSpPr>
-        <p:spPr/>
-        <p:txBody>
-          <a:bodyPr/>
-          <a:lstStyle/>
-          <a:p>
-            <a:endParaRPr lang="nl-NL"/>
-          </a:p>
-        </p:txBody>
-      </p:sp>
       <p:pic>
         <p:nvPicPr>
           <p:cNvPr id="5" name="Afbeelding 4">
@@ -17393,6 +17449,55 @@
           </a:p>
         </p:txBody>
       </p:sp>
+      <p:pic>
+        <p:nvPicPr>
+          <p:cNvPr id="2" name="Picture 2">
+            <a:extLst>
+              <a:ext uri="{FF2B5EF4-FFF2-40B4-BE49-F238E27FC236}">
+                <a16:creationId xmlns:a16="http://schemas.microsoft.com/office/drawing/2014/main" id="{54A8A3FE-8EF9-DD0D-2FBA-FFB0A3D6A675}"/>
+              </a:ext>
+            </a:extLst>
+          </p:cNvPr>
+          <p:cNvPicPr>
+            <a:picLocks noGrp="1" noChangeAspect="1" noChangeArrowheads="1"/>
+          </p:cNvPicPr>
+          <p:nvPr>
+            <p:ph sz="quarter" idx="11"/>
+          </p:nvPr>
+        </p:nvPicPr>
+        <p:blipFill>
+          <a:blip r:embed="rId3">
+            <a:extLst>
+              <a:ext uri="{28A0092B-C50C-407E-A947-70E740481C1C}">
+                <a14:useLocalDpi xmlns:a14="http://schemas.microsoft.com/office/drawing/2010/main" val="0"/>
+              </a:ext>
+            </a:extLst>
+          </a:blip>
+          <a:srcRect/>
+          <a:stretch>
+            <a:fillRect/>
+          </a:stretch>
+        </p:blipFill>
+        <p:spPr bwMode="auto">
+          <a:xfrm>
+            <a:off x="8050305" y="1016715"/>
+            <a:ext cx="4020208" cy="4513008"/>
+          </a:xfrm>
+          <a:prstGeom prst="rect">
+            <a:avLst/>
+          </a:prstGeom>
+          <a:noFill/>
+          <a:extLst>
+            <a:ext uri="{909E8E84-426E-40DD-AFC4-6F175D3DCCD1}">
+              <a14:hiddenFill xmlns:a14="http://schemas.microsoft.com/office/drawing/2010/main">
+                <a:solidFill>
+                  <a:srgbClr val="FFFFFF"/>
+                </a:solidFill>
+              </a14:hiddenFill>
+            </a:ext>
+          </a:extLst>
+        </p:spPr>
+      </p:pic>
     </p:spTree>
     <p:extLst>
       <p:ext uri="{BB962C8B-B14F-4D97-AF65-F5344CB8AC3E}">
@@ -17407,6 +17512,338 @@
 </file>
 
 <file path=ppt/slides/slide35.xml><?xml version="1.0" encoding="utf-8"?>
+<p:sld xmlns:a="http://schemas.openxmlformats.org/drawingml/2006/main" xmlns:r="http://schemas.openxmlformats.org/officeDocument/2006/relationships" xmlns:p="http://schemas.openxmlformats.org/presentationml/2006/main">
+  <p:cSld>
+    <p:spTree>
+      <p:nvGrpSpPr>
+        <p:cNvPr id="1" name=""/>
+        <p:cNvGrpSpPr/>
+        <p:nvPr/>
+      </p:nvGrpSpPr>
+      <p:grpSpPr>
+        <a:xfrm>
+          <a:off x="0" y="0"/>
+          <a:ext cx="0" cy="0"/>
+          <a:chOff x="0" y="0"/>
+          <a:chExt cx="0" cy="0"/>
+        </a:xfrm>
+      </p:grpSpPr>
+      <p:sp>
+        <p:nvSpPr>
+          <p:cNvPr id="6" name="Titel 1">
+            <a:extLst>
+              <a:ext uri="{FF2B5EF4-FFF2-40B4-BE49-F238E27FC236}">
+                <a16:creationId xmlns:a16="http://schemas.microsoft.com/office/drawing/2014/main" id="{5EC3DA2F-6D6E-4A6A-9499-45F1B9A4311E}"/>
+              </a:ext>
+            </a:extLst>
+          </p:cNvPr>
+          <p:cNvSpPr txBox="1">
+            <a:spLocks/>
+          </p:cNvSpPr>
+          <p:nvPr/>
+        </p:nvSpPr>
+        <p:spPr bwMode="auto">
+          <a:xfrm>
+            <a:off x="0" y="-124230"/>
+            <a:ext cx="11302584" cy="1077218"/>
+          </a:xfrm>
+          <a:prstGeom prst="rect">
+            <a:avLst/>
+          </a:prstGeom>
+          <a:noFill/>
+          <a:ln>
+            <a:noFill/>
+          </a:ln>
+          <a:extLst>
+            <a:ext uri="{909E8E84-426E-40DD-AFC4-6F175D3DCCD1}">
+              <a14:hiddenFill xmlns:a14="http://schemas.microsoft.com/office/drawing/2010/main">
+                <a:solidFill>
+                  <a:srgbClr val="FFFFFF"/>
+                </a:solidFill>
+              </a14:hiddenFill>
+            </a:ext>
+            <a:ext uri="{91240B29-F687-4F45-9708-019B960494DF}">
+              <a14:hiddenLine xmlns:a14="http://schemas.microsoft.com/office/drawing/2010/main" w="9525">
+                <a:solidFill>
+                  <a:srgbClr val="000000"/>
+                </a:solidFill>
+                <a:miter lim="800000"/>
+                <a:headEnd/>
+                <a:tailEnd/>
+              </a14:hiddenLine>
+            </a:ext>
+          </a:extLst>
+        </p:spPr>
+        <p:txBody>
+          <a:bodyPr vert="horz" wrap="square" lIns="91440" tIns="45720" rIns="91440" bIns="45720" numCol="1" anchor="b" anchorCtr="0" compatLnSpc="1">
+            <a:prstTxWarp prst="textNoShape">
+              <a:avLst/>
+            </a:prstTxWarp>
+            <a:spAutoFit/>
+          </a:bodyPr>
+          <a:lstStyle>
+            <a:lvl1pPr algn="l" rtl="0" eaLnBrk="1" fontAlgn="base" hangingPunct="1">
+              <a:spcBef>
+                <a:spcPct val="0"/>
+              </a:spcBef>
+              <a:spcAft>
+                <a:spcPct val="0"/>
+              </a:spcAft>
+              <a:defRPr sz="3200" b="1">
+                <a:solidFill>
+                  <a:schemeClr val="tx1"/>
+                </a:solidFill>
+                <a:latin typeface="+mj-lt"/>
+                <a:ea typeface="+mj-ea"/>
+                <a:cs typeface="+mj-cs"/>
+              </a:defRPr>
+            </a:lvl1pPr>
+            <a:lvl2pPr algn="l" rtl="0" eaLnBrk="1" fontAlgn="base" hangingPunct="1">
+              <a:spcBef>
+                <a:spcPct val="0"/>
+              </a:spcBef>
+              <a:spcAft>
+                <a:spcPct val="0"/>
+              </a:spcAft>
+              <a:defRPr sz="3200" b="1">
+                <a:solidFill>
+                  <a:srgbClr val="000000"/>
+                </a:solidFill>
+                <a:latin typeface="Arial" charset="0"/>
+              </a:defRPr>
+            </a:lvl2pPr>
+            <a:lvl3pPr algn="l" rtl="0" eaLnBrk="1" fontAlgn="base" hangingPunct="1">
+              <a:spcBef>
+                <a:spcPct val="0"/>
+              </a:spcBef>
+              <a:spcAft>
+                <a:spcPct val="0"/>
+              </a:spcAft>
+              <a:defRPr sz="3200" b="1">
+                <a:solidFill>
+                  <a:srgbClr val="000000"/>
+                </a:solidFill>
+                <a:latin typeface="Arial" charset="0"/>
+              </a:defRPr>
+            </a:lvl3pPr>
+            <a:lvl4pPr algn="l" rtl="0" eaLnBrk="1" fontAlgn="base" hangingPunct="1">
+              <a:spcBef>
+                <a:spcPct val="0"/>
+              </a:spcBef>
+              <a:spcAft>
+                <a:spcPct val="0"/>
+              </a:spcAft>
+              <a:defRPr sz="3200" b="1">
+                <a:solidFill>
+                  <a:srgbClr val="000000"/>
+                </a:solidFill>
+                <a:latin typeface="Arial" charset="0"/>
+              </a:defRPr>
+            </a:lvl4pPr>
+            <a:lvl5pPr algn="l" rtl="0" eaLnBrk="1" fontAlgn="base" hangingPunct="1">
+              <a:spcBef>
+                <a:spcPct val="0"/>
+              </a:spcBef>
+              <a:spcAft>
+                <a:spcPct val="0"/>
+              </a:spcAft>
+              <a:defRPr sz="3200" b="1">
+                <a:solidFill>
+                  <a:srgbClr val="000000"/>
+                </a:solidFill>
+                <a:latin typeface="Arial" charset="0"/>
+              </a:defRPr>
+            </a:lvl5pPr>
+            <a:lvl6pPr marL="457200" algn="l" rtl="0" eaLnBrk="1" fontAlgn="base" hangingPunct="1">
+              <a:spcBef>
+                <a:spcPct val="0"/>
+              </a:spcBef>
+              <a:spcAft>
+                <a:spcPct val="0"/>
+              </a:spcAft>
+              <a:defRPr sz="3200" b="1">
+                <a:solidFill>
+                  <a:srgbClr val="000000"/>
+                </a:solidFill>
+                <a:latin typeface="Arial" charset="0"/>
+              </a:defRPr>
+            </a:lvl6pPr>
+            <a:lvl7pPr marL="914400" algn="l" rtl="0" eaLnBrk="1" fontAlgn="base" hangingPunct="1">
+              <a:spcBef>
+                <a:spcPct val="0"/>
+              </a:spcBef>
+              <a:spcAft>
+                <a:spcPct val="0"/>
+              </a:spcAft>
+              <a:defRPr sz="3200" b="1">
+                <a:solidFill>
+                  <a:srgbClr val="000000"/>
+                </a:solidFill>
+                <a:latin typeface="Arial" charset="0"/>
+              </a:defRPr>
+            </a:lvl7pPr>
+            <a:lvl8pPr marL="1371600" algn="l" rtl="0" eaLnBrk="1" fontAlgn="base" hangingPunct="1">
+              <a:spcBef>
+                <a:spcPct val="0"/>
+              </a:spcBef>
+              <a:spcAft>
+                <a:spcPct val="0"/>
+              </a:spcAft>
+              <a:defRPr sz="3200" b="1">
+                <a:solidFill>
+                  <a:srgbClr val="000000"/>
+                </a:solidFill>
+                <a:latin typeface="Arial" charset="0"/>
+              </a:defRPr>
+            </a:lvl8pPr>
+            <a:lvl9pPr marL="1828800" algn="l" rtl="0" eaLnBrk="1" fontAlgn="base" hangingPunct="1">
+              <a:spcBef>
+                <a:spcPct val="0"/>
+              </a:spcBef>
+              <a:spcAft>
+                <a:spcPct val="0"/>
+              </a:spcAft>
+              <a:defRPr sz="3200" b="1">
+                <a:solidFill>
+                  <a:srgbClr val="000000"/>
+                </a:solidFill>
+                <a:latin typeface="Arial" charset="0"/>
+              </a:defRPr>
+            </a:lvl9pPr>
+          </a:lstStyle>
+          <a:p>
+            <a:r>
+              <a:rPr lang="nl-NL" kern="0" dirty="0">
+                <a:solidFill>
+                  <a:srgbClr val="0070C0"/>
+                </a:solidFill>
+              </a:rPr>
+              <a:t>Opdracht: Ontwerp een STD </a:t>
+            </a:r>
+            <a:br>
+              <a:rPr lang="nl-NL" kern="0" dirty="0">
+                <a:solidFill>
+                  <a:srgbClr val="0070C0"/>
+                </a:solidFill>
+              </a:rPr>
+            </a:br>
+            <a:r>
+              <a:rPr lang="nl-NL" kern="0" dirty="0">
+                <a:solidFill>
+                  <a:srgbClr val="0070C0"/>
+                </a:solidFill>
+              </a:rPr>
+              <a:t>van </a:t>
+            </a:r>
+            <a:r>
+              <a:rPr lang="nl-NL" kern="0" dirty="0" err="1">
+                <a:solidFill>
+                  <a:srgbClr val="0070C0"/>
+                </a:solidFill>
+              </a:rPr>
+              <a:t>SnoepverkoopControl</a:t>
+            </a:r>
+            <a:endParaRPr lang="nl-NL" kern="0" dirty="0">
+              <a:solidFill>
+                <a:srgbClr val="0070C0"/>
+              </a:solidFill>
+            </a:endParaRPr>
+          </a:p>
+        </p:txBody>
+      </p:sp>
+      <p:pic>
+        <p:nvPicPr>
+          <p:cNvPr id="2" name="Picture 2">
+            <a:extLst>
+              <a:ext uri="{FF2B5EF4-FFF2-40B4-BE49-F238E27FC236}">
+                <a16:creationId xmlns:a16="http://schemas.microsoft.com/office/drawing/2014/main" id="{BD9D2678-65E8-4204-CDB9-675684F44405}"/>
+              </a:ext>
+            </a:extLst>
+          </p:cNvPr>
+          <p:cNvPicPr>
+            <a:picLocks noChangeAspect="1" noChangeArrowheads="1"/>
+          </p:cNvPicPr>
+          <p:nvPr/>
+        </p:nvPicPr>
+        <p:blipFill>
+          <a:blip r:embed="rId2">
+            <a:extLst>
+              <a:ext uri="{28A0092B-C50C-407E-A947-70E740481C1C}">
+                <a14:useLocalDpi xmlns:a14="http://schemas.microsoft.com/office/drawing/2010/main" val="0"/>
+              </a:ext>
+            </a:extLst>
+          </a:blip>
+          <a:srcRect/>
+          <a:stretch>
+            <a:fillRect/>
+          </a:stretch>
+        </p:blipFill>
+        <p:spPr bwMode="auto">
+          <a:xfrm>
+            <a:off x="6229714" y="166256"/>
+            <a:ext cx="5780718" cy="6489787"/>
+          </a:xfrm>
+          <a:prstGeom prst="rect">
+            <a:avLst/>
+          </a:prstGeom>
+          <a:noFill/>
+          <a:extLst>
+            <a:ext uri="{909E8E84-426E-40DD-AFC4-6F175D3DCCD1}">
+              <a14:hiddenFill xmlns:a14="http://schemas.microsoft.com/office/drawing/2010/main">
+                <a:solidFill>
+                  <a:srgbClr val="FFFFFF"/>
+                </a:solidFill>
+              </a14:hiddenFill>
+            </a:ext>
+          </a:extLst>
+        </p:spPr>
+      </p:pic>
+      <p:pic>
+        <p:nvPicPr>
+          <p:cNvPr id="4" name="Tijdelijke aanduiding voor inhoud 3">
+            <a:extLst>
+              <a:ext uri="{FF2B5EF4-FFF2-40B4-BE49-F238E27FC236}">
+                <a16:creationId xmlns:a16="http://schemas.microsoft.com/office/drawing/2014/main" id="{DBEBD822-6308-5932-2FC7-CA919AD146C5}"/>
+              </a:ext>
+            </a:extLst>
+          </p:cNvPr>
+          <p:cNvPicPr>
+            <a:picLocks noGrp="1" noChangeAspect="1"/>
+          </p:cNvPicPr>
+          <p:nvPr>
+            <p:ph sz="quarter" idx="11"/>
+          </p:nvPr>
+        </p:nvPicPr>
+        <p:blipFill>
+          <a:blip r:embed="rId3"/>
+          <a:stretch>
+            <a:fillRect/>
+          </a:stretch>
+        </p:blipFill>
+        <p:spPr>
+          <a:xfrm>
+            <a:off x="-3524" y="1111885"/>
+            <a:ext cx="6445888" cy="3917790"/>
+          </a:xfrm>
+          <a:prstGeom prst="rect">
+            <a:avLst/>
+          </a:prstGeom>
+        </p:spPr>
+      </p:pic>
+    </p:spTree>
+    <p:extLst>
+      <p:ext uri="{BB962C8B-B14F-4D97-AF65-F5344CB8AC3E}">
+        <p14:creationId xmlns:p14="http://schemas.microsoft.com/office/powerpoint/2010/main" val="1876916364"/>
+      </p:ext>
+    </p:extLst>
+  </p:cSld>
+  <p:clrMapOvr>
+    <a:masterClrMapping/>
+  </p:clrMapOvr>
+</p:sld>
+</file>
+
+<file path=ppt/slides/slide36.xml><?xml version="1.0" encoding="utf-8"?>
 <p:sld xmlns:a="http://schemas.openxmlformats.org/drawingml/2006/main" xmlns:r="http://schemas.openxmlformats.org/officeDocument/2006/relationships" xmlns:p="http://schemas.openxmlformats.org/presentationml/2006/main" show="0">
   <p:cSld>
     <p:spTree>
@@ -17699,7 +18136,7 @@
 </p:sld>
 </file>
 
-<file path=ppt/slides/slide36.xml><?xml version="1.0" encoding="utf-8"?>
+<file path=ppt/slides/slide37.xml><?xml version="1.0" encoding="utf-8"?>
 <p:sld xmlns:a="http://schemas.openxmlformats.org/drawingml/2006/main" xmlns:r="http://schemas.openxmlformats.org/officeDocument/2006/relationships" xmlns:p="http://schemas.openxmlformats.org/presentationml/2006/main" show="0">
   <p:cSld>
     <p:spTree>
